--- a/Presentation/2021-CS-46 AND 2021-CS-11.pptx
+++ b/Presentation/2021-CS-46 AND 2021-CS-11.pptx
@@ -15,7 +15,9 @@
     <p:sldId id="262" r:id="rId9"/>
     <p:sldId id="263" r:id="rId10"/>
     <p:sldId id="264" r:id="rId11"/>
-    <p:sldId id="265" r:id="rId12"/>
+    <p:sldId id="266" r:id="rId12"/>
+    <p:sldId id="267" r:id="rId13"/>
+    <p:sldId id="265" r:id="rId14"/>
   </p:sldIdLst>
   <p:sldSz cx="12192000" cy="6858000"/>
   <p:notesSz cx="6858000" cy="9144000"/>
@@ -2469,7 +2471,7 @@
           <a:p>
             <a:fld id="{83284890-85D2-4D7B-8EF5-15A9C1DB8F42}" type="datetimeFigureOut">
               <a:rPr lang="en-US" dirty="0"/>
-              <a:t>4/23/2024</a:t>
+              <a:t>2024-04-28</a:t>
             </a:fld>
             <a:endParaRPr lang="en-US" dirty="0"/>
           </a:p>
@@ -2647,7 +2649,7 @@
           <a:p>
             <a:fld id="{87157CC2-0FC8-4686-B024-99790E0F5162}" type="datetimeFigureOut">
               <a:rPr lang="en-US" dirty="0"/>
-              <a:t>4/23/2024</a:t>
+              <a:t>2024-04-28</a:t>
             </a:fld>
             <a:endParaRPr lang="en-US" dirty="0"/>
           </a:p>
@@ -2825,7 +2827,7 @@
           <a:p>
             <a:fld id="{F6764DA5-CD3D-4590-A511-FCD3BC7A793E}" type="datetimeFigureOut">
               <a:rPr lang="en-US" dirty="0"/>
-              <a:t>4/23/2024</a:t>
+              <a:t>2024-04-28</a:t>
             </a:fld>
             <a:endParaRPr lang="en-US" dirty="0"/>
           </a:p>
@@ -3037,7 +3039,7 @@
           <a:p>
             <a:fld id="{AA8A0EC6-5648-844A-8827-911B00959032}" type="datetimeFigureOut">
               <a:rPr lang="en-US" smtClean="0"/>
-              <a:t>4/23/2024</a:t>
+              <a:t>2024-04-28</a:t>
             </a:fld>
             <a:endParaRPr lang="en-US"/>
           </a:p>
@@ -3683,7 +3685,7 @@
           <a:p>
             <a:fld id="{AA8A0EC6-5648-844A-8827-911B00959032}" type="datetimeFigureOut">
               <a:rPr lang="en-US" smtClean="0"/>
-              <a:t>4/23/2024</a:t>
+              <a:t>2024-04-28</a:t>
             </a:fld>
             <a:endParaRPr lang="en-US"/>
           </a:p>
@@ -3878,7 +3880,7 @@
           <a:p>
             <a:fld id="{AA8A0EC6-5648-844A-8827-911B00959032}" type="datetimeFigureOut">
               <a:rPr lang="en-US" smtClean="0"/>
-              <a:t>4/23/2024</a:t>
+              <a:t>2024-04-28</a:t>
             </a:fld>
             <a:endParaRPr lang="en-US"/>
           </a:p>
@@ -4482,7 +4484,7 @@
           <a:p>
             <a:fld id="{AA8A0EC6-5648-844A-8827-911B00959032}" type="datetimeFigureOut">
               <a:rPr lang="en-US" smtClean="0"/>
-              <a:t>4/23/2024</a:t>
+              <a:t>2024-04-28</a:t>
             </a:fld>
             <a:endParaRPr lang="en-US"/>
           </a:p>
@@ -5158,7 +5160,7 @@
           <a:p>
             <a:fld id="{AA8A0EC6-5648-844A-8827-911B00959032}" type="datetimeFigureOut">
               <a:rPr lang="en-US" smtClean="0"/>
-              <a:t>4/23/2024</a:t>
+              <a:t>2024-04-28</a:t>
             </a:fld>
             <a:endParaRPr lang="en-US"/>
           </a:p>
@@ -5762,7 +5764,7 @@
           <a:p>
             <a:fld id="{AA8A0EC6-5648-844A-8827-911B00959032}" type="datetimeFigureOut">
               <a:rPr lang="en-US" smtClean="0"/>
-              <a:t>4/23/2024</a:t>
+              <a:t>2024-04-28</a:t>
             </a:fld>
             <a:endParaRPr lang="en-US"/>
           </a:p>
@@ -6364,7 +6366,7 @@
           <a:p>
             <a:fld id="{AA8A0EC6-5648-844A-8827-911B00959032}" type="datetimeFigureOut">
               <a:rPr lang="en-US" smtClean="0"/>
-              <a:t>4/23/2024</a:t>
+              <a:t>2024-04-28</a:t>
             </a:fld>
             <a:endParaRPr lang="en-US"/>
           </a:p>
@@ -6456,7 +6458,7 @@
           <a:p>
             <a:fld id="{AA8A0EC6-5648-844A-8827-911B00959032}" type="datetimeFigureOut">
               <a:rPr lang="en-US" smtClean="0"/>
-              <a:t>4/23/2024</a:t>
+              <a:t>2024-04-28</a:t>
             </a:fld>
             <a:endParaRPr lang="en-US"/>
           </a:p>
@@ -6615,7 +6617,7 @@
           <a:p>
             <a:fld id="{82F5661D-6934-4B32-B92C-470368BF1EC6}" type="datetimeFigureOut">
               <a:rPr lang="en-US" dirty="0"/>
-              <a:t>4/23/2024</a:t>
+              <a:t>2024-04-28</a:t>
             </a:fld>
             <a:endParaRPr lang="en-US" dirty="0"/>
           </a:p>
@@ -6827,7 +6829,7 @@
           <a:p>
             <a:fld id="{AA8A0EC6-5648-844A-8827-911B00959032}" type="datetimeFigureOut">
               <a:rPr lang="en-US" smtClean="0"/>
-              <a:t>4/23/2024</a:t>
+              <a:t>2024-04-28</a:t>
             </a:fld>
             <a:endParaRPr lang="en-US"/>
           </a:p>
@@ -7163,7 +7165,7 @@
           <a:p>
             <a:fld id="{C6F822A4-8DA6-4447-9B1F-C5DB58435268}" type="datetimeFigureOut">
               <a:rPr lang="en-US" dirty="0"/>
-              <a:t>4/23/2024</a:t>
+              <a:t>2024-04-28</a:t>
             </a:fld>
             <a:endParaRPr lang="en-US" dirty="0"/>
           </a:p>
@@ -7547,7 +7549,7 @@
           <a:p>
             <a:fld id="{E548D31E-DCDA-41A7-9C67-C4B11B94D21D}" type="datetimeFigureOut">
               <a:rPr lang="en-US" dirty="0"/>
-              <a:t>4/23/2024</a:t>
+              <a:t>2024-04-28</a:t>
             </a:fld>
             <a:endParaRPr lang="en-US" dirty="0"/>
           </a:p>
@@ -7978,7 +7980,7 @@
           <a:p>
             <a:fld id="{9B3762C0-B258-48F1-ADE6-176B4174CCDD}" type="datetimeFigureOut">
               <a:rPr lang="en-US" dirty="0"/>
-              <a:t>4/23/2024</a:t>
+              <a:t>2024-04-28</a:t>
             </a:fld>
             <a:endParaRPr lang="en-US" dirty="0"/>
           </a:p>
@@ -8095,7 +8097,7 @@
           <a:p>
             <a:fld id="{677919A6-33EB-49BD-A62F-1FA56B9F9712}" type="datetimeFigureOut">
               <a:rPr lang="en-US" dirty="0"/>
-              <a:t>4/23/2024</a:t>
+              <a:t>2024-04-28</a:t>
             </a:fld>
             <a:endParaRPr lang="en-US" dirty="0"/>
           </a:p>
@@ -8190,7 +8192,7 @@
           <a:p>
             <a:fld id="{CA4E7D1B-D673-4CF6-8672-009D42ABD2A0}" type="datetimeFigureOut">
               <a:rPr lang="en-US" dirty="0"/>
-              <a:t>4/23/2024</a:t>
+              <a:t>2024-04-28</a:t>
             </a:fld>
             <a:endParaRPr lang="en-US" dirty="0"/>
           </a:p>
@@ -8538,7 +8540,7 @@
           <a:p>
             <a:fld id="{DA16AA21-1863-4931-97CB-99D0A168701B}" type="datetimeFigureOut">
               <a:rPr lang="en-US" dirty="0"/>
-              <a:t>4/23/2024</a:t>
+              <a:t>2024-04-28</a:t>
             </a:fld>
             <a:endParaRPr lang="en-US" dirty="0"/>
           </a:p>
@@ -8958,7 +8960,7 @@
           <a:p>
             <a:fld id="{3772C379-9A7C-4C87-A116-CBE9F58B04C5}" type="datetimeFigureOut">
               <a:rPr lang="en-US" dirty="0"/>
-              <a:t>4/23/2024</a:t>
+              <a:t>2024-04-28</a:t>
             </a:fld>
             <a:endParaRPr lang="en-US" dirty="0"/>
           </a:p>
@@ -9237,7 +9239,7 @@
           <a:p>
             <a:fld id="{8664C608-40B1-4030-A28D-5B74BC98ADCE}" type="datetimeFigureOut">
               <a:rPr lang="en-US" dirty="0"/>
-              <a:t>4/23/2024</a:t>
+              <a:t>2024-04-28</a:t>
             </a:fld>
             <a:endParaRPr lang="en-US" dirty="0"/>
           </a:p>
@@ -9933,7 +9935,7 @@
           <a:p>
             <a:fld id="{AA8A0EC6-5648-844A-8827-911B00959032}" type="datetimeFigureOut">
               <a:rPr lang="en-US" smtClean="0"/>
-              <a:t>4/23/2024</a:t>
+              <a:t>2024-04-28</a:t>
             </a:fld>
             <a:endParaRPr lang="en-US"/>
           </a:p>
@@ -10409,7 +10411,7 @@
                 <a16:creationId xmlns:a16="http://schemas.microsoft.com/office/drawing/2014/main" id="{C3D25154-9EF7-4C33-9AAC-7B3BE089FE0A}"/>
               </a:ext>
               <a:ext uri="{C183D7F6-B498-43B3-948B-1728B52AA6E4}">
-                <adec:decorative xmlns:adec="http://schemas.microsoft.com/office/drawing/2017/decorative" val="1"/>
+                <adec:decorative xmlns:adec="http://schemas.microsoft.com/office/drawing/2017/decorative" xmlns="" val="1"/>
               </a:ext>
             </a:extLst>
           </p:cNvPr>
@@ -10597,7 +10599,7 @@
                 <a16:creationId xmlns:a16="http://schemas.microsoft.com/office/drawing/2014/main" id="{1604E8C0-C927-4C06-A96A-BF3323BA76D2}"/>
               </a:ext>
               <a:ext uri="{C183D7F6-B498-43B3-948B-1728B52AA6E4}">
-                <adec:decorative xmlns:adec="http://schemas.microsoft.com/office/drawing/2017/decorative" val="1"/>
+                <adec:decorative xmlns:adec="http://schemas.microsoft.com/office/drawing/2017/decorative" xmlns="" val="1"/>
               </a:ext>
             </a:extLst>
           </p:cNvPr>
@@ -10728,7 +10730,7 @@
                 <a16:creationId xmlns:a16="http://schemas.microsoft.com/office/drawing/2014/main" id="{9DCECFD5-4C30-4892-9FF0-540E17955A55}"/>
               </a:ext>
               <a:ext uri="{C183D7F6-B498-43B3-948B-1728B52AA6E4}">
-                <adec:decorative xmlns:adec="http://schemas.microsoft.com/office/drawing/2017/decorative" val="1"/>
+                <adec:decorative xmlns:adec="http://schemas.microsoft.com/office/drawing/2017/decorative" xmlns="" val="1"/>
               </a:ext>
             </a:extLst>
           </p:cNvPr>
@@ -10759,7 +10761,7 @@
                   <a16:creationId xmlns:a16="http://schemas.microsoft.com/office/drawing/2014/main" id="{95C67F70-EAFE-425C-8422-591620A96D47}"/>
                 </a:ext>
                 <a:ext uri="{C183D7F6-B498-43B3-948B-1728B52AA6E4}">
-                  <adec:decorative xmlns:adec="http://schemas.microsoft.com/office/drawing/2017/decorative" val="1"/>
+                  <adec:decorative xmlns:adec="http://schemas.microsoft.com/office/drawing/2017/decorative" xmlns="" val="1"/>
                 </a:ext>
               </a:extLst>
             </p:cNvPr>
@@ -10845,7 +10847,7 @@
                   <a16:creationId xmlns:a16="http://schemas.microsoft.com/office/drawing/2014/main" id="{D47FA16B-C217-4D91-84EA-5B0846BDDA97}"/>
                 </a:ext>
                 <a:ext uri="{C183D7F6-B498-43B3-948B-1728B52AA6E4}">
-                  <adec:decorative xmlns:adec="http://schemas.microsoft.com/office/drawing/2017/decorative" val="1"/>
+                  <adec:decorative xmlns:adec="http://schemas.microsoft.com/office/drawing/2017/decorative" xmlns="" val="1"/>
                 </a:ext>
               </a:extLst>
             </p:cNvPr>
@@ -10949,6 +10951,235 @@
           <p:cNvPr id="2" name="Title 1">
             <a:extLst>
               <a:ext uri="{FF2B5EF4-FFF2-40B4-BE49-F238E27FC236}">
+                <a16:creationId xmlns:a16="http://schemas.microsoft.com/office/drawing/2014/main" id="{7654E2D9-BA80-E5C7-5772-AB806F81CDBF}"/>
+              </a:ext>
+            </a:extLst>
+          </p:cNvPr>
+          <p:cNvSpPr>
+            <a:spLocks noGrp="1"/>
+          </p:cNvSpPr>
+          <p:nvPr>
+            <p:ph type="title"/>
+          </p:nvPr>
+        </p:nvSpPr>
+        <p:spPr/>
+        <p:txBody>
+          <a:bodyPr>
+            <a:normAutofit/>
+          </a:bodyPr>
+          <a:lstStyle/>
+          <a:p>
+            <a:r>
+              <a:rPr lang="en-GB" sz="6000" dirty="0" smtClean="0"/>
+              <a:t>Improvement</a:t>
+            </a:r>
+            <a:endParaRPr lang="en-GB" sz="6000" dirty="0"/>
+          </a:p>
+        </p:txBody>
+      </p:sp>
+      <p:sp>
+        <p:nvSpPr>
+          <p:cNvPr id="3" name="Content Placeholder 2">
+            <a:extLst>
+              <a:ext uri="{FF2B5EF4-FFF2-40B4-BE49-F238E27FC236}">
+                <a16:creationId xmlns:a16="http://schemas.microsoft.com/office/drawing/2014/main" id="{F88418BB-8ED1-8152-EC1B-6D22A17F0606}"/>
+              </a:ext>
+            </a:extLst>
+          </p:cNvPr>
+          <p:cNvSpPr>
+            <a:spLocks noGrp="1"/>
+          </p:cNvSpPr>
+          <p:nvPr>
+            <p:ph idx="1"/>
+          </p:nvPr>
+        </p:nvSpPr>
+        <p:spPr/>
+        <p:txBody>
+          <a:bodyPr vert="horz" lIns="91440" tIns="45720" rIns="91440" bIns="45720" rtlCol="0" anchor="t">
+            <a:normAutofit/>
+          </a:bodyPr>
+          <a:lstStyle/>
+          <a:p>
+            <a:pPr>
+              <a:buClr>
+                <a:srgbClr val="8D87A6"/>
+              </a:buClr>
+            </a:pPr>
+            <a:r>
+              <a:rPr lang="en-GB" sz="3200" dirty="0" smtClean="0">
+                <a:solidFill>
+                  <a:srgbClr val="0D0D0D"/>
+                </a:solidFill>
+              </a:rPr>
+              <a:t>Graph Structure Method</a:t>
+            </a:r>
+          </a:p>
+          <a:p>
+            <a:pPr>
+              <a:buClr>
+                <a:srgbClr val="8D87A6"/>
+              </a:buClr>
+            </a:pPr>
+            <a:r>
+              <a:rPr lang="en-GB" sz="3200" dirty="0" smtClean="0">
+                <a:solidFill>
+                  <a:srgbClr val="0D0D0D"/>
+                </a:solidFill>
+              </a:rPr>
+              <a:t>Alternative Algorithm</a:t>
+            </a:r>
+          </a:p>
+          <a:p>
+            <a:pPr>
+              <a:buClr>
+                <a:srgbClr val="8D87A6"/>
+              </a:buClr>
+            </a:pPr>
+            <a:r>
+              <a:rPr lang="en-GB" sz="3200" dirty="0" smtClean="0">
+                <a:solidFill>
+                  <a:srgbClr val="0D0D0D"/>
+                </a:solidFill>
+              </a:rPr>
+              <a:t>Large scale Dataset</a:t>
+            </a:r>
+            <a:endParaRPr lang="en-GB" sz="3200" dirty="0">
+              <a:solidFill>
+                <a:srgbClr val="0D0D0D"/>
+              </a:solidFill>
+            </a:endParaRPr>
+          </a:p>
+        </p:txBody>
+      </p:sp>
+    </p:spTree>
+    <p:extLst>
+      <p:ext uri="{BB962C8B-B14F-4D97-AF65-F5344CB8AC3E}">
+        <p14:creationId xmlns:p14="http://schemas.microsoft.com/office/powerpoint/2010/main" val="182649979"/>
+      </p:ext>
+    </p:extLst>
+  </p:cSld>
+  <p:clrMapOvr>
+    <a:masterClrMapping/>
+  </p:clrMapOvr>
+</p:sld>
+</file>
+
+<file path=ppt/slides/slide11.xml><?xml version="1.0" encoding="utf-8"?>
+<p:sld xmlns:a="http://schemas.openxmlformats.org/drawingml/2006/main" xmlns:r="http://schemas.openxmlformats.org/officeDocument/2006/relationships" xmlns:p="http://schemas.openxmlformats.org/presentationml/2006/main">
+  <p:cSld>
+    <p:spTree>
+      <p:nvGrpSpPr>
+        <p:cNvPr id="1" name=""/>
+        <p:cNvGrpSpPr/>
+        <p:nvPr/>
+      </p:nvGrpSpPr>
+      <p:grpSpPr>
+        <a:xfrm>
+          <a:off x="0" y="0"/>
+          <a:ext cx="0" cy="0"/>
+          <a:chOff x="0" y="0"/>
+          <a:chExt cx="0" cy="0"/>
+        </a:xfrm>
+      </p:grpSpPr>
+      <p:sp>
+        <p:nvSpPr>
+          <p:cNvPr id="2" name="Title 1"/>
+          <p:cNvSpPr>
+            <a:spLocks noGrp="1"/>
+          </p:cNvSpPr>
+          <p:nvPr>
+            <p:ph type="title"/>
+          </p:nvPr>
+        </p:nvSpPr>
+        <p:spPr/>
+        <p:txBody>
+          <a:bodyPr/>
+          <a:lstStyle/>
+          <a:p>
+            <a:r>
+              <a:rPr lang="en-US" dirty="0" smtClean="0"/>
+              <a:t>Implication</a:t>
+            </a:r>
+            <a:endParaRPr lang="ar-SA" dirty="0"/>
+          </a:p>
+        </p:txBody>
+      </p:sp>
+      <p:sp>
+        <p:nvSpPr>
+          <p:cNvPr id="3" name="Content Placeholder 2"/>
+          <p:cNvSpPr>
+            <a:spLocks noGrp="1"/>
+          </p:cNvSpPr>
+          <p:nvPr>
+            <p:ph idx="1"/>
+          </p:nvPr>
+        </p:nvSpPr>
+        <p:spPr/>
+        <p:txBody>
+          <a:bodyPr>
+            <a:normAutofit/>
+          </a:bodyPr>
+          <a:lstStyle/>
+          <a:p>
+            <a:r>
+              <a:rPr lang="en-US" sz="3200" dirty="0" err="1" smtClean="0"/>
+              <a:t>Enchanced</a:t>
+            </a:r>
+            <a:r>
+              <a:rPr lang="en-US" sz="3200" dirty="0" smtClean="0"/>
+              <a:t> Classification Model</a:t>
+            </a:r>
+          </a:p>
+          <a:p>
+            <a:r>
+              <a:rPr lang="en-US" sz="3200" dirty="0" smtClean="0"/>
+              <a:t>Research Graph Representation</a:t>
+            </a:r>
+          </a:p>
+          <a:p>
+            <a:r>
+              <a:rPr lang="en-US" sz="3200" dirty="0" smtClean="0"/>
+              <a:t>Adoption of Graph Features</a:t>
+            </a:r>
+            <a:endParaRPr lang="ar-SA" sz="3200" dirty="0"/>
+          </a:p>
+        </p:txBody>
+      </p:sp>
+    </p:spTree>
+    <p:extLst>
+      <p:ext uri="{BB962C8B-B14F-4D97-AF65-F5344CB8AC3E}">
+        <p14:creationId xmlns:p14="http://schemas.microsoft.com/office/powerpoint/2010/main" val="4219202035"/>
+      </p:ext>
+    </p:extLst>
+  </p:cSld>
+  <p:clrMapOvr>
+    <a:masterClrMapping/>
+  </p:clrMapOvr>
+</p:sld>
+</file>
+
+<file path=ppt/slides/slide12.xml><?xml version="1.0" encoding="utf-8"?>
+<p:sld xmlns:a="http://schemas.openxmlformats.org/drawingml/2006/main" xmlns:r="http://schemas.openxmlformats.org/officeDocument/2006/relationships" xmlns:p="http://schemas.openxmlformats.org/presentationml/2006/main">
+  <p:cSld>
+    <p:spTree>
+      <p:nvGrpSpPr>
+        <p:cNvPr id="1" name=""/>
+        <p:cNvGrpSpPr/>
+        <p:nvPr/>
+      </p:nvGrpSpPr>
+      <p:grpSpPr>
+        <a:xfrm>
+          <a:off x="0" y="0"/>
+          <a:ext cx="0" cy="0"/>
+          <a:chOff x="0" y="0"/>
+          <a:chExt cx="0" cy="0"/>
+        </a:xfrm>
+      </p:grpSpPr>
+      <p:sp>
+        <p:nvSpPr>
+          <p:cNvPr id="2" name="Title 1">
+            <a:extLst>
+              <a:ext uri="{FF2B5EF4-FFF2-40B4-BE49-F238E27FC236}">
                 <a16:creationId xmlns:a16="http://schemas.microsoft.com/office/drawing/2014/main" id="{91850566-FEDE-5CD9-0385-F3D971D73D10}"/>
               </a:ext>
             </a:extLst>
@@ -11488,6 +11719,36 @@
           </a:p>
         </p:txBody>
       </p:sp>
+      <p:pic>
+        <p:nvPicPr>
+          <p:cNvPr id="5" name="Picture 4"/>
+          <p:cNvPicPr>
+            <a:picLocks noChangeAspect="1"/>
+          </p:cNvPicPr>
+          <p:nvPr/>
+        </p:nvPicPr>
+        <p:blipFill>
+          <a:blip r:embed="rId2" cstate="print">
+            <a:extLst>
+              <a:ext uri="{28A0092B-C50C-407E-A947-70E740481C1C}">
+                <a14:useLocalDpi xmlns:a14="http://schemas.microsoft.com/office/drawing/2010/main" val="0"/>
+              </a:ext>
+            </a:extLst>
+          </a:blip>
+          <a:stretch>
+            <a:fillRect/>
+          </a:stretch>
+        </p:blipFill>
+        <p:spPr>
+          <a:xfrm>
+            <a:off x="5956879" y="2312126"/>
+            <a:ext cx="5512309" cy="3117618"/>
+          </a:xfrm>
+          <a:prstGeom prst="rect">
+            <a:avLst/>
+          </a:prstGeom>
+        </p:spPr>
+      </p:pic>
     </p:spTree>
     <p:extLst>
       <p:ext uri="{BB962C8B-B14F-4D97-AF65-F5344CB8AC3E}">
@@ -11636,6 +11897,36 @@
           </a:p>
         </p:txBody>
       </p:sp>
+      <p:pic>
+        <p:nvPicPr>
+          <p:cNvPr id="4" name="Picture 3"/>
+          <p:cNvPicPr>
+            <a:picLocks noChangeAspect="1"/>
+          </p:cNvPicPr>
+          <p:nvPr/>
+        </p:nvPicPr>
+        <p:blipFill>
+          <a:blip r:embed="rId2">
+            <a:extLst>
+              <a:ext uri="{28A0092B-C50C-407E-A947-70E740481C1C}">
+                <a14:useLocalDpi xmlns:a14="http://schemas.microsoft.com/office/drawing/2010/main" val="0"/>
+              </a:ext>
+            </a:extLst>
+          </a:blip>
+          <a:stretch>
+            <a:fillRect/>
+          </a:stretch>
+        </p:blipFill>
+        <p:spPr>
+          <a:xfrm>
+            <a:off x="5054246" y="1675964"/>
+            <a:ext cx="6890918" cy="3406306"/>
+          </a:xfrm>
+          <a:prstGeom prst="rect">
+            <a:avLst/>
+          </a:prstGeom>
+        </p:spPr>
+      </p:pic>
     </p:spTree>
     <p:extLst>
       <p:ext uri="{BB962C8B-B14F-4D97-AF65-F5344CB8AC3E}">
@@ -11796,6 +12087,36 @@
           </a:p>
         </p:txBody>
       </p:sp>
+      <p:pic>
+        <p:nvPicPr>
+          <p:cNvPr id="4" name="Picture 3"/>
+          <p:cNvPicPr>
+            <a:picLocks noChangeAspect="1"/>
+          </p:cNvPicPr>
+          <p:nvPr/>
+        </p:nvPicPr>
+        <p:blipFill>
+          <a:blip r:embed="rId2">
+            <a:extLst>
+              <a:ext uri="{28A0092B-C50C-407E-A947-70E740481C1C}">
+                <a14:useLocalDpi xmlns:a14="http://schemas.microsoft.com/office/drawing/2010/main" val="0"/>
+              </a:ext>
+            </a:extLst>
+          </a:blip>
+          <a:stretch>
+            <a:fillRect/>
+          </a:stretch>
+        </p:blipFill>
+        <p:spPr>
+          <a:xfrm>
+            <a:off x="6226040" y="1911096"/>
+            <a:ext cx="5395211" cy="3261795"/>
+          </a:xfrm>
+          <a:prstGeom prst="rect">
+            <a:avLst/>
+          </a:prstGeom>
+        </p:spPr>
+      </p:pic>
     </p:spTree>
     <p:extLst>
       <p:ext uri="{BB962C8B-B14F-4D97-AF65-F5344CB8AC3E}">
@@ -12196,36 +12517,34 @@
           <a:lstStyle/>
           <a:p>
             <a:r>
-              <a:rPr lang="en-GB" sz="3200" dirty="0">
+              <a:rPr lang="en-GB" sz="3200" dirty="0" smtClean="0">
+                <a:solidFill>
+                  <a:srgbClr val="0D0D0D"/>
+                </a:solidFill>
+              </a:rPr>
+              <a:t>Complexity of graph</a:t>
+            </a:r>
+            <a:endParaRPr lang="en-GB" sz="3200" dirty="0">
+              <a:solidFill>
+                <a:srgbClr val="0D0D0D"/>
+              </a:solidFill>
+            </a:endParaRPr>
+          </a:p>
+          <a:p>
+            <a:pPr>
+              <a:buClr>
+                <a:srgbClr val="8D87A6"/>
+              </a:buClr>
+            </a:pPr>
+            <a:r>
+              <a:rPr lang="en-GB" sz="3200" dirty="0" smtClean="0">
                 <a:solidFill>
                   <a:srgbClr val="0D0D0D"/>
                 </a:solidFill>
                 <a:ea typeface="+mn-lt"/>
                 <a:cs typeface="+mn-lt"/>
               </a:rPr>
-              <a:t>Encountered</a:t>
-            </a:r>
-            <a:endParaRPr lang="en-GB" sz="3200" dirty="0">
-              <a:solidFill>
-                <a:srgbClr val="0D0D0D"/>
-              </a:solidFill>
-            </a:endParaRPr>
-          </a:p>
-          <a:p>
-            <a:pPr>
-              <a:buClr>
-                <a:srgbClr val="8D87A6"/>
-              </a:buClr>
-            </a:pPr>
-            <a:r>
-              <a:rPr lang="en-GB" sz="3200" dirty="0">
-                <a:solidFill>
-                  <a:srgbClr val="0D0D0D"/>
-                </a:solidFill>
-                <a:ea typeface="+mn-lt"/>
-                <a:cs typeface="+mn-lt"/>
-              </a:rPr>
-              <a:t>Future Work</a:t>
+              <a:t>Optimization of KNN</a:t>
             </a:r>
             <a:endParaRPr lang="en-GB" sz="3200" dirty="0"/>
           </a:p>
